--- a/data/2018-19/prg1/cv10/prg1_cv10.pptx
+++ b/data/2018-19/prg1/cv10/prg1_cv10.pptx
@@ -8050,15 +8050,15 @@
             </a:br>
             <a:r>
               <a:rPr lang="en-US" dirty="0"/>
-              <a:t>			divorced</a:t>
-            </a:r>
-            <a:r>
-              <a:rPr lang="en-US"/>
-              <a:t>: </a:t>
-            </a:r>
-            <a:r>
-              <a:rPr lang="en-US" smtClean="0"/>
-              <a:t>(divorceDate</a:t>
+              <a:t>			divorced: </a:t>
+            </a:r>
+            <a:r>
+              <a:rPr lang="en-US" dirty="0" smtClean="0"/>
+              <a:t>(</a:t>
+            </a:r>
+            <a:r>
+              <a:rPr lang="en-US" dirty="0" err="1" smtClean="0"/>
+              <a:t>divorceDate</a:t>
             </a:r>
             <a:r>
               <a:rPr lang="en-US" dirty="0"/>
